--- a/Task Scheduling.pptx
+++ b/Task Scheduling.pptx
@@ -10460,6 +10460,27 @@
 <file path=ppt/slides/slide20.xml><?xml version="1.0" encoding="utf-8"?>
 <p:sld xmlns:a="http://schemas.openxmlformats.org/drawingml/2006/main" xmlns:r="http://schemas.openxmlformats.org/officeDocument/2006/relationships" xmlns:p="http://schemas.openxmlformats.org/presentationml/2006/main">
   <p:cSld>
+    <p:bg>
+      <p:bgPr>
+        <a:blipFill rotWithShape="1">
+          <a:blip r:embed="rId2">
+            <a:duotone>
+              <a:schemeClr val="bg1">
+                <a:tint val="75000"/>
+                <a:shade val="58000"/>
+                <a:satMod val="120000"/>
+              </a:schemeClr>
+              <a:schemeClr val="bg1">
+                <a:tint val="50000"/>
+                <a:shade val="96000"/>
+              </a:schemeClr>
+            </a:duotone>
+          </a:blip>
+          <a:tile tx="0" ty="0" sx="100000" sy="100000" flip="none" algn="tl"/>
+        </a:blipFill>
+        <a:effectLst/>
+      </p:bgPr>
+    </p:bg>
     <p:spTree>
       <p:nvGrpSpPr>
         <p:cNvPr id="1" name=""/>
@@ -10474,24 +10495,505 @@
           <a:chExt cx="0" cy="0"/>
         </a:xfrm>
       </p:grpSpPr>
+      <p:grpSp>
+        <p:nvGrpSpPr>
+          <p:cNvPr id="16" name="Group 10">
+            <a:extLst>
+              <a:ext uri="{FF2B5EF4-FFF2-40B4-BE49-F238E27FC236}">
+                <a16:creationId xmlns:a16="http://schemas.microsoft.com/office/drawing/2014/main" id="{2A313B03-D361-4EC9-AF52-0B3C1C92C26D}"/>
+              </a:ext>
+              <a:ext uri="{C183D7F6-B498-43B3-948B-1728B52AA6E4}">
+                <adec:decorative xmlns:adec="http://schemas.microsoft.com/office/drawing/2017/decorative" val="1"/>
+              </a:ext>
+            </a:extLst>
+          </p:cNvPr>
+          <p:cNvGrpSpPr>
+            <a:grpSpLocks noGrp="1" noUngrp="1" noRot="1" noChangeAspect="1" noMove="1" noResize="1"/>
+          </p:cNvGrpSpPr>
+          <p:nvPr>
+            <p:extLst>
+              <p:ext uri="{386F3935-93C4-4BCD-93E2-E3B085C9AB24}">
+                <p16:designElem xmlns:p16="http://schemas.microsoft.com/office/powerpoint/2015/main" val="1"/>
+              </p:ext>
+            </p:extLst>
+          </p:nvPr>
+        </p:nvGrpSpPr>
+        <p:grpSpPr>
+          <a:xfrm>
+            <a:off x="11401725" y="6229681"/>
+            <a:ext cx="457200" cy="457200"/>
+            <a:chOff x="11361456" y="6195813"/>
+            <a:chExt cx="548640" cy="548640"/>
+          </a:xfrm>
+        </p:grpSpPr>
+        <p:sp>
+          <p:nvSpPr>
+            <p:cNvPr id="12" name="Oval 11">
+              <a:extLst>
+                <a:ext uri="{FF2B5EF4-FFF2-40B4-BE49-F238E27FC236}">
+                  <a16:creationId xmlns:a16="http://schemas.microsoft.com/office/drawing/2014/main" id="{5E79CB85-A08A-4579-86F6-A8AA97551B88}"/>
+                </a:ext>
+                <a:ext uri="{C183D7F6-B498-43B3-948B-1728B52AA6E4}">
+                  <adec:decorative xmlns:adec="http://schemas.microsoft.com/office/drawing/2017/decorative" val="1"/>
+                </a:ext>
+              </a:extLst>
+            </p:cNvPr>
+            <p:cNvSpPr/>
+            <p:nvPr>
+              <p:extLst>
+                <p:ext uri="{386F3935-93C4-4BCD-93E2-E3B085C9AB24}">
+                  <p16:designElem xmlns:p16="http://schemas.microsoft.com/office/powerpoint/2015/main" val="1"/>
+                </p:ext>
+              </p:extLst>
+            </p:nvPr>
+          </p:nvSpPr>
+          <p:spPr>
+            <a:xfrm>
+              <a:off x="11361456" y="6195813"/>
+              <a:ext cx="548640" cy="548640"/>
+            </a:xfrm>
+            <a:prstGeom prst="ellipse">
+              <a:avLst/>
+            </a:prstGeom>
+            <a:blipFill dpi="0" rotWithShape="1">
+              <a:blip r:embed="rId3">
+                <a:duotone>
+                  <a:schemeClr val="accent1">
+                    <a:shade val="45000"/>
+                    <a:satMod val="135000"/>
+                  </a:schemeClr>
+                  <a:prstClr val="white"/>
+                </a:duotone>
+                <a:extLst>
+                  <a:ext uri="{BEBA8EAE-BF5A-486C-A8C5-ECC9F3942E4B}">
+                    <a14:imgProps xmlns:a14="http://schemas.microsoft.com/office/drawing/2010/main">
+                      <a14:imgLayer r:embed="rId4">
+                        <a14:imgEffect>
+                          <a14:saturation sat="95000"/>
+                        </a14:imgEffect>
+                        <a14:imgEffect>
+                          <a14:brightnessContrast bright="-40000" contrast="20000"/>
+                        </a14:imgEffect>
+                      </a14:imgLayer>
+                    </a14:imgProps>
+                  </a:ext>
+                </a:extLst>
+              </a:blip>
+              <a:srcRect/>
+              <a:tile tx="50800" ty="0" sx="85000" sy="85000" flip="none" algn="tl"/>
+            </a:blipFill>
+            <a:ln w="25400" cap="flat" cmpd="sng" algn="ctr">
+              <a:noFill/>
+              <a:prstDash val="solid"/>
+            </a:ln>
+            <a:effectLst/>
+          </p:spPr>
+        </p:sp>
+        <p:sp>
+          <p:nvSpPr>
+            <p:cNvPr id="13" name="Oval 12">
+              <a:extLst>
+                <a:ext uri="{FF2B5EF4-FFF2-40B4-BE49-F238E27FC236}">
+                  <a16:creationId xmlns:a16="http://schemas.microsoft.com/office/drawing/2014/main" id="{D6C61C9C-364D-4CB6-B9D1-1A6F50F6AF03}"/>
+                </a:ext>
+                <a:ext uri="{C183D7F6-B498-43B3-948B-1728B52AA6E4}">
+                  <adec:decorative xmlns:adec="http://schemas.microsoft.com/office/drawing/2017/decorative" val="1"/>
+                </a:ext>
+              </a:extLst>
+            </p:cNvPr>
+            <p:cNvSpPr/>
+            <p:nvPr>
+              <p:extLst>
+                <p:ext uri="{386F3935-93C4-4BCD-93E2-E3B085C9AB24}">
+                  <p16:designElem xmlns:p16="http://schemas.microsoft.com/office/powerpoint/2015/main" val="1"/>
+                </p:ext>
+              </p:extLst>
+            </p:nvPr>
+          </p:nvSpPr>
+          <p:spPr>
+            <a:xfrm>
+              <a:off x="11396488" y="6230844"/>
+              <a:ext cx="478576" cy="478578"/>
+            </a:xfrm>
+            <a:prstGeom prst="ellipse">
+              <a:avLst/>
+            </a:prstGeom>
+            <a:noFill/>
+            <a:ln w="12700" cap="flat" cmpd="sng" algn="ctr">
+              <a:solidFill>
+                <a:srgbClr val="FFFFFF"/>
+              </a:solidFill>
+              <a:prstDash val="solid"/>
+            </a:ln>
+            <a:effectLst/>
+          </p:spPr>
+        </p:sp>
+      </p:grpSp>
+      <p:sp>
+        <p:nvSpPr>
+          <p:cNvPr id="15" name="Freeform: Shape 14">
+            <a:extLst>
+              <a:ext uri="{FF2B5EF4-FFF2-40B4-BE49-F238E27FC236}">
+                <a16:creationId xmlns:a16="http://schemas.microsoft.com/office/drawing/2014/main" id="{3E9FBC8E-8666-4442-8D7D-B250510CD44D}"/>
+              </a:ext>
+              <a:ext uri="{C183D7F6-B498-43B3-948B-1728B52AA6E4}">
+                <adec:decorative xmlns:adec="http://schemas.microsoft.com/office/drawing/2017/decorative" val="1"/>
+              </a:ext>
+            </a:extLst>
+          </p:cNvPr>
+          <p:cNvSpPr>
+            <a:spLocks noGrp="1" noRot="1" noChangeAspect="1" noMove="1" noResize="1" noEditPoints="1" noAdjustHandles="1" noChangeArrowheads="1" noChangeShapeType="1" noTextEdit="1"/>
+          </p:cNvSpPr>
+          <p:nvPr>
+            <p:extLst>
+              <p:ext uri="{386F3935-93C4-4BCD-93E2-E3B085C9AB24}">
+                <p16:designElem xmlns:p16="http://schemas.microsoft.com/office/powerpoint/2015/main" val="1"/>
+              </p:ext>
+            </p:extLst>
+          </p:nvPr>
+        </p:nvSpPr>
+        <p:spPr>
+          <a:xfrm>
+            <a:off x="641684" y="2005"/>
+            <a:ext cx="10908632" cy="6853991"/>
+          </a:xfrm>
+          <a:custGeom>
+            <a:avLst/>
+            <a:gdLst>
+              <a:gd name="connsiteX0" fmla="*/ 9059740 w 10908632"/>
+              <a:gd name="connsiteY0" fmla="*/ 0 h 6853991"/>
+              <a:gd name="connsiteX1" fmla="*/ 9694921 w 10908632"/>
+              <a:gd name="connsiteY1" fmla="*/ 0 h 6853991"/>
+              <a:gd name="connsiteX2" fmla="*/ 9825053 w 10908632"/>
+              <a:gd name="connsiteY2" fmla="*/ 165594 h 6853991"/>
+              <a:gd name="connsiteX3" fmla="*/ 10908632 w 10908632"/>
+              <a:gd name="connsiteY3" fmla="*/ 3429000 h 6853991"/>
+              <a:gd name="connsiteX4" fmla="*/ 9825053 w 10908632"/>
+              <a:gd name="connsiteY4" fmla="*/ 6692406 h 6853991"/>
+              <a:gd name="connsiteX5" fmla="*/ 9698072 w 10908632"/>
+              <a:gd name="connsiteY5" fmla="*/ 6853991 h 6853991"/>
+              <a:gd name="connsiteX6" fmla="*/ 9063562 w 10908632"/>
+              <a:gd name="connsiteY6" fmla="*/ 6853991 h 6853991"/>
+              <a:gd name="connsiteX7" fmla="*/ 9138428 w 10908632"/>
+              <a:gd name="connsiteY7" fmla="*/ 6775466 h 6853991"/>
+              <a:gd name="connsiteX8" fmla="*/ 10431379 w 10908632"/>
+              <a:gd name="connsiteY8" fmla="*/ 3429000 h 6853991"/>
+              <a:gd name="connsiteX9" fmla="*/ 9138428 w 10908632"/>
+              <a:gd name="connsiteY9" fmla="*/ 82534 h 6853991"/>
+              <a:gd name="connsiteX10" fmla="*/ 2037821 w 10908632"/>
+              <a:gd name="connsiteY10" fmla="*/ 0 h 6853991"/>
+              <a:gd name="connsiteX11" fmla="*/ 8870811 w 10908632"/>
+              <a:gd name="connsiteY11" fmla="*/ 0 h 6853991"/>
+              <a:gd name="connsiteX12" fmla="*/ 8877212 w 10908632"/>
+              <a:gd name="connsiteY12" fmla="*/ 6103 h 6853991"/>
+              <a:gd name="connsiteX13" fmla="*/ 10295021 w 10908632"/>
+              <a:gd name="connsiteY13" fmla="*/ 3429000 h 6853991"/>
+              <a:gd name="connsiteX14" fmla="*/ 8877212 w 10908632"/>
+              <a:gd name="connsiteY14" fmla="*/ 6851897 h 6853991"/>
+              <a:gd name="connsiteX15" fmla="*/ 8875015 w 10908632"/>
+              <a:gd name="connsiteY15" fmla="*/ 6853991 h 6853991"/>
+              <a:gd name="connsiteX16" fmla="*/ 2033617 w 10908632"/>
+              <a:gd name="connsiteY16" fmla="*/ 6853991 h 6853991"/>
+              <a:gd name="connsiteX17" fmla="*/ 2031421 w 10908632"/>
+              <a:gd name="connsiteY17" fmla="*/ 6851897 h 6853991"/>
+              <a:gd name="connsiteX18" fmla="*/ 613611 w 10908632"/>
+              <a:gd name="connsiteY18" fmla="*/ 3429000 h 6853991"/>
+              <a:gd name="connsiteX19" fmla="*/ 2031420 w 10908632"/>
+              <a:gd name="connsiteY19" fmla="*/ 6103 h 6853991"/>
+              <a:gd name="connsiteX20" fmla="*/ 1213711 w 10908632"/>
+              <a:gd name="connsiteY20" fmla="*/ 0 h 6853991"/>
+              <a:gd name="connsiteX21" fmla="*/ 1848893 w 10908632"/>
+              <a:gd name="connsiteY21" fmla="*/ 0 h 6853991"/>
+              <a:gd name="connsiteX22" fmla="*/ 1770204 w 10908632"/>
+              <a:gd name="connsiteY22" fmla="*/ 82534 h 6853991"/>
+              <a:gd name="connsiteX23" fmla="*/ 477253 w 10908632"/>
+              <a:gd name="connsiteY23" fmla="*/ 3429000 h 6853991"/>
+              <a:gd name="connsiteX24" fmla="*/ 1770204 w 10908632"/>
+              <a:gd name="connsiteY24" fmla="*/ 6775466 h 6853991"/>
+              <a:gd name="connsiteX25" fmla="*/ 1845071 w 10908632"/>
+              <a:gd name="connsiteY25" fmla="*/ 6853991 h 6853991"/>
+              <a:gd name="connsiteX26" fmla="*/ 1210561 w 10908632"/>
+              <a:gd name="connsiteY26" fmla="*/ 6853991 h 6853991"/>
+              <a:gd name="connsiteX27" fmla="*/ 1083579 w 10908632"/>
+              <a:gd name="connsiteY27" fmla="*/ 6692406 h 6853991"/>
+              <a:gd name="connsiteX28" fmla="*/ 0 w 10908632"/>
+              <a:gd name="connsiteY28" fmla="*/ 3429000 h 6853991"/>
+              <a:gd name="connsiteX29" fmla="*/ 1083579 w 10908632"/>
+              <a:gd name="connsiteY29" fmla="*/ 165594 h 6853991"/>
+            </a:gdLst>
+            <a:ahLst/>
+            <a:cxnLst>
+              <a:cxn ang="0">
+                <a:pos x="connsiteX0" y="connsiteY0"/>
+              </a:cxn>
+              <a:cxn ang="0">
+                <a:pos x="connsiteX1" y="connsiteY1"/>
+              </a:cxn>
+              <a:cxn ang="0">
+                <a:pos x="connsiteX2" y="connsiteY2"/>
+              </a:cxn>
+              <a:cxn ang="0">
+                <a:pos x="connsiteX3" y="connsiteY3"/>
+              </a:cxn>
+              <a:cxn ang="0">
+                <a:pos x="connsiteX4" y="connsiteY4"/>
+              </a:cxn>
+              <a:cxn ang="0">
+                <a:pos x="connsiteX5" y="connsiteY5"/>
+              </a:cxn>
+              <a:cxn ang="0">
+                <a:pos x="connsiteX6" y="connsiteY6"/>
+              </a:cxn>
+              <a:cxn ang="0">
+                <a:pos x="connsiteX7" y="connsiteY7"/>
+              </a:cxn>
+              <a:cxn ang="0">
+                <a:pos x="connsiteX8" y="connsiteY8"/>
+              </a:cxn>
+              <a:cxn ang="0">
+                <a:pos x="connsiteX9" y="connsiteY9"/>
+              </a:cxn>
+              <a:cxn ang="0">
+                <a:pos x="connsiteX10" y="connsiteY10"/>
+              </a:cxn>
+              <a:cxn ang="0">
+                <a:pos x="connsiteX11" y="connsiteY11"/>
+              </a:cxn>
+              <a:cxn ang="0">
+                <a:pos x="connsiteX12" y="connsiteY12"/>
+              </a:cxn>
+              <a:cxn ang="0">
+                <a:pos x="connsiteX13" y="connsiteY13"/>
+              </a:cxn>
+              <a:cxn ang="0">
+                <a:pos x="connsiteX14" y="connsiteY14"/>
+              </a:cxn>
+              <a:cxn ang="0">
+                <a:pos x="connsiteX15" y="connsiteY15"/>
+              </a:cxn>
+              <a:cxn ang="0">
+                <a:pos x="connsiteX16" y="connsiteY16"/>
+              </a:cxn>
+              <a:cxn ang="0">
+                <a:pos x="connsiteX17" y="connsiteY17"/>
+              </a:cxn>
+              <a:cxn ang="0">
+                <a:pos x="connsiteX18" y="connsiteY18"/>
+              </a:cxn>
+              <a:cxn ang="0">
+                <a:pos x="connsiteX19" y="connsiteY19"/>
+              </a:cxn>
+              <a:cxn ang="0">
+                <a:pos x="connsiteX20" y="connsiteY20"/>
+              </a:cxn>
+              <a:cxn ang="0">
+                <a:pos x="connsiteX21" y="connsiteY21"/>
+              </a:cxn>
+              <a:cxn ang="0">
+                <a:pos x="connsiteX22" y="connsiteY22"/>
+              </a:cxn>
+              <a:cxn ang="0">
+                <a:pos x="connsiteX23" y="connsiteY23"/>
+              </a:cxn>
+              <a:cxn ang="0">
+                <a:pos x="connsiteX24" y="connsiteY24"/>
+              </a:cxn>
+              <a:cxn ang="0">
+                <a:pos x="connsiteX25" y="connsiteY25"/>
+              </a:cxn>
+              <a:cxn ang="0">
+                <a:pos x="connsiteX26" y="connsiteY26"/>
+              </a:cxn>
+              <a:cxn ang="0">
+                <a:pos x="connsiteX27" y="connsiteY27"/>
+              </a:cxn>
+              <a:cxn ang="0">
+                <a:pos x="connsiteX28" y="connsiteY28"/>
+              </a:cxn>
+              <a:cxn ang="0">
+                <a:pos x="connsiteX29" y="connsiteY29"/>
+              </a:cxn>
+            </a:cxnLst>
+            <a:rect l="l" t="t" r="r" b="b"/>
+            <a:pathLst>
+              <a:path w="10908632" h="6853991">
+                <a:moveTo>
+                  <a:pt x="9059740" y="0"/>
+                </a:moveTo>
+                <a:lnTo>
+                  <a:pt x="9694921" y="0"/>
+                </a:lnTo>
+                <a:lnTo>
+                  <a:pt x="9825053" y="165594"/>
+                </a:lnTo>
+                <a:cubicBezTo>
+                  <a:pt x="10505610" y="1075607"/>
+                  <a:pt x="10908632" y="2205238"/>
+                  <a:pt x="10908632" y="3429000"/>
+                </a:cubicBezTo>
+                <a:cubicBezTo>
+                  <a:pt x="10908632" y="4652762"/>
+                  <a:pt x="10505610" y="5782393"/>
+                  <a:pt x="9825053" y="6692406"/>
+                </a:cubicBezTo>
+                <a:lnTo>
+                  <a:pt x="9698072" y="6853991"/>
+                </a:lnTo>
+                <a:lnTo>
+                  <a:pt x="9063562" y="6853991"/>
+                </a:lnTo>
+                <a:lnTo>
+                  <a:pt x="9138428" y="6775466"/>
+                </a:lnTo>
+                <a:cubicBezTo>
+                  <a:pt x="9941761" y="5891604"/>
+                  <a:pt x="10431379" y="4717480"/>
+                  <a:pt x="10431379" y="3429000"/>
+                </a:cubicBezTo>
+                <a:cubicBezTo>
+                  <a:pt x="10431379" y="2140521"/>
+                  <a:pt x="9941761" y="966397"/>
+                  <a:pt x="9138428" y="82534"/>
+                </a:cubicBezTo>
+                <a:close/>
+                <a:moveTo>
+                  <a:pt x="2037821" y="0"/>
+                </a:moveTo>
+                <a:lnTo>
+                  <a:pt x="8870811" y="0"/>
+                </a:lnTo>
+                <a:lnTo>
+                  <a:pt x="8877212" y="6103"/>
+                </a:lnTo>
+                <a:cubicBezTo>
+                  <a:pt x="9753207" y="882099"/>
+                  <a:pt x="10295021" y="2092275"/>
+                  <a:pt x="10295021" y="3429000"/>
+                </a:cubicBezTo>
+                <a:cubicBezTo>
+                  <a:pt x="10295021" y="4765725"/>
+                  <a:pt x="9753207" y="5975902"/>
+                  <a:pt x="8877212" y="6851897"/>
+                </a:cubicBezTo>
+                <a:lnTo>
+                  <a:pt x="8875015" y="6853991"/>
+                </a:lnTo>
+                <a:lnTo>
+                  <a:pt x="2033617" y="6853991"/>
+                </a:lnTo>
+                <a:lnTo>
+                  <a:pt x="2031421" y="6851897"/>
+                </a:lnTo>
+                <a:cubicBezTo>
+                  <a:pt x="1155426" y="5975902"/>
+                  <a:pt x="613611" y="4765725"/>
+                  <a:pt x="613611" y="3429000"/>
+                </a:cubicBezTo>
+                <a:cubicBezTo>
+                  <a:pt x="613611" y="2092275"/>
+                  <a:pt x="1155425" y="882099"/>
+                  <a:pt x="2031420" y="6103"/>
+                </a:cubicBezTo>
+                <a:close/>
+                <a:moveTo>
+                  <a:pt x="1213711" y="0"/>
+                </a:moveTo>
+                <a:lnTo>
+                  <a:pt x="1848893" y="0"/>
+                </a:lnTo>
+                <a:lnTo>
+                  <a:pt x="1770204" y="82534"/>
+                </a:lnTo>
+                <a:cubicBezTo>
+                  <a:pt x="966871" y="966397"/>
+                  <a:pt x="477253" y="2140521"/>
+                  <a:pt x="477253" y="3429000"/>
+                </a:cubicBezTo>
+                <a:cubicBezTo>
+                  <a:pt x="477253" y="4717480"/>
+                  <a:pt x="966872" y="5891604"/>
+                  <a:pt x="1770204" y="6775466"/>
+                </a:cubicBezTo>
+                <a:lnTo>
+                  <a:pt x="1845071" y="6853991"/>
+                </a:lnTo>
+                <a:lnTo>
+                  <a:pt x="1210561" y="6853991"/>
+                </a:lnTo>
+                <a:lnTo>
+                  <a:pt x="1083579" y="6692406"/>
+                </a:lnTo>
+                <a:cubicBezTo>
+                  <a:pt x="403022" y="5782393"/>
+                  <a:pt x="0" y="4652762"/>
+                  <a:pt x="0" y="3429000"/>
+                </a:cubicBezTo>
+                <a:cubicBezTo>
+                  <a:pt x="0" y="2205238"/>
+                  <a:pt x="403022" y="1075607"/>
+                  <a:pt x="1083579" y="165594"/>
+                </a:cubicBezTo>
+                <a:close/>
+              </a:path>
+            </a:pathLst>
+          </a:custGeom>
+          <a:solidFill>
+            <a:schemeClr val="tx1">
+              <a:lumMod val="75000"/>
+              <a:lumOff val="25000"/>
+            </a:schemeClr>
+          </a:solidFill>
+          <a:ln>
+            <a:noFill/>
+          </a:ln>
+        </p:spPr>
+        <p:style>
+          <a:lnRef idx="2">
+            <a:schemeClr val="accent1">
+              <a:shade val="50000"/>
+            </a:schemeClr>
+          </a:lnRef>
+          <a:fillRef idx="1">
+            <a:schemeClr val="accent1"/>
+          </a:fillRef>
+          <a:effectRef idx="0">
+            <a:schemeClr val="accent1"/>
+          </a:effectRef>
+          <a:fontRef idx="minor">
+            <a:schemeClr val="lt1"/>
+          </a:fontRef>
+        </p:style>
+        <p:txBody>
+          <a:bodyPr wrap="square" rtlCol="0" anchor="ctr">
+            <a:noAutofit/>
+          </a:bodyPr>
+          <a:lstStyle/>
+          <a:p>
+            <a:pPr algn="ctr"/>
+            <a:endParaRPr lang="en-US" dirty="0">
+              <a:solidFill>
+                <a:schemeClr val="lt1"/>
+              </a:solidFill>
+            </a:endParaRPr>
+          </a:p>
+        </p:txBody>
+      </p:sp>
       <p:pic>
         <p:nvPicPr>
-          <p:cNvPr id="5" name="Content Placeholder 4" descr="A close up of a computer keyboard&#10;&#10;Description automatically generated">
+          <p:cNvPr id="6" name="Picture 5" descr="A computer sitting on top of a wooden table&#10;&#10;Description automatically generated">
             <a:extLst>
               <a:ext uri="{FF2B5EF4-FFF2-40B4-BE49-F238E27FC236}">
-                <a16:creationId xmlns:a16="http://schemas.microsoft.com/office/drawing/2014/main" id="{895F3B06-970B-8449-9D54-E4842564A5D3}"/>
+                <a16:creationId xmlns:a16="http://schemas.microsoft.com/office/drawing/2014/main" id="{6B1EAE44-2A32-734E-9E4D-AEED3ADD14B5}"/>
               </a:ext>
             </a:extLst>
           </p:cNvPr>
           <p:cNvPicPr>
-            <a:picLocks noGrp="1" noChangeAspect="1"/>
+            <a:picLocks noChangeAspect="1"/>
           </p:cNvPicPr>
-          <p:nvPr>
-            <p:ph idx="1"/>
-          </p:nvPr>
+          <p:nvPr/>
         </p:nvPicPr>
         <p:blipFill>
-          <a:blip r:embed="rId2">
+          <a:blip r:embed="rId5">
             <a:extLst>
               <a:ext uri="{28A0092B-C50C-407E-A947-70E740481C1C}">
                 <a14:useLocalDpi xmlns:a14="http://schemas.microsoft.com/office/drawing/2010/main" val="0"/>
@@ -10504,9 +11006,12 @@
         </p:blipFill>
         <p:spPr>
           <a:xfrm>
-            <a:off x="0" y="0"/>
-            <a:ext cx="12191999" cy="6858000"/>
+            <a:off x="2758561" y="1217947"/>
+            <a:ext cx="6674879" cy="4422105"/>
           </a:xfrm>
+          <a:prstGeom prst="rect">
+            <a:avLst/>
+          </a:prstGeom>
         </p:spPr>
       </p:pic>
     </p:spTree>
@@ -10517,7 +11022,7 @@
     </p:extLst>
   </p:cSld>
   <p:clrMapOvr>
-    <a:masterClrMapping/>
+    <a:overrideClrMapping bg1="dk1" tx1="lt1" bg2="dk2" tx2="lt2" accent1="accent1" accent2="accent2" accent3="accent3" accent4="accent4" accent5="accent5" accent6="accent6" hlink="hlink" folHlink="folHlink"/>
   </p:clrMapOvr>
 </p:sld>
 </file>

--- a/Task Scheduling.pptx
+++ b/Task Scheduling.pptx
@@ -11385,7 +11385,7 @@
                 <a:latin typeface="Times New Roman" panose="02020603050405020304" pitchFamily="18" charset="0"/>
                 <a:cs typeface="Times New Roman" panose="02020603050405020304" pitchFamily="18" charset="0"/>
               </a:rPr>
-              <a:t>Genetic Algorithm</a:t>
+              <a:t>Round Robin </a:t>
             </a:r>
           </a:p>
           <a:p>
@@ -11394,7 +11394,7 @@
                 <a:latin typeface="Times New Roman" panose="02020603050405020304" pitchFamily="18" charset="0"/>
                 <a:cs typeface="Times New Roman" panose="02020603050405020304" pitchFamily="18" charset="0"/>
               </a:rPr>
-              <a:t>Greedy Algorithm</a:t>
+              <a:t>Weighted Round Robin </a:t>
             </a:r>
           </a:p>
           <a:p>
@@ -11403,7 +11403,7 @@
                 <a:latin typeface="Times New Roman" panose="02020603050405020304" pitchFamily="18" charset="0"/>
                 <a:cs typeface="Times New Roman" panose="02020603050405020304" pitchFamily="18" charset="0"/>
               </a:rPr>
-              <a:t>Priority-based Job Scheduling Algorithm </a:t>
+              <a:t>Source IP hash</a:t>
             </a:r>
           </a:p>
           <a:p>
@@ -11412,7 +11412,7 @@
                 <a:latin typeface="Times New Roman" panose="02020603050405020304" pitchFamily="18" charset="0"/>
                 <a:cs typeface="Times New Roman" panose="02020603050405020304" pitchFamily="18" charset="0"/>
               </a:rPr>
-              <a:t>Round Robin </a:t>
+              <a:t>URL hash</a:t>
             </a:r>
           </a:p>
           <a:p>
@@ -11421,7 +11421,7 @@
                 <a:latin typeface="Times New Roman" panose="02020603050405020304" pitchFamily="18" charset="0"/>
                 <a:cs typeface="Times New Roman" panose="02020603050405020304" pitchFamily="18" charset="0"/>
               </a:rPr>
-              <a:t>Min-Min Algorithm </a:t>
+              <a:t>Least connections</a:t>
             </a:r>
           </a:p>
           <a:p>
@@ -11430,16 +11430,7 @@
                 <a:latin typeface="Times New Roman" panose="02020603050405020304" pitchFamily="18" charset="0"/>
                 <a:cs typeface="Times New Roman" panose="02020603050405020304" pitchFamily="18" charset="0"/>
               </a:rPr>
-              <a:t>Particle Swarm Optimization (PSO)</a:t>
-            </a:r>
-          </a:p>
-          <a:p>
-            <a:r>
-              <a:rPr lang="en-IN" dirty="0">
-                <a:latin typeface="Times New Roman" panose="02020603050405020304" pitchFamily="18" charset="0"/>
-                <a:cs typeface="Times New Roman" panose="02020603050405020304" pitchFamily="18" charset="0"/>
-              </a:rPr>
-              <a:t>First Come First Serve Algorithm</a:t>
+              <a:t>Least traffic</a:t>
             </a:r>
             <a:endParaRPr lang="en-US" dirty="0">
               <a:latin typeface="Times New Roman" panose="02020603050405020304" pitchFamily="18" charset="0"/>
